--- a/Lesson 5/Presentation.pptx
+++ b/Lesson 5/Presentation.pptx
@@ -15587,9 +15587,10 @@
               <a:t>/android/</a:t>
             </a:r>
             <a:r>
-              <a:rPr lang="en-US"/>
+              <a:rPr lang="en-US" dirty="0" err="1"/>
               <a:t>android_user_interface_controls.htm</a:t>
             </a:r>
+            <a:endParaRPr lang="en-US" dirty="0"/>
           </a:p>
         </p:txBody>
       </p:sp>
